--- a/S-Learning Docment/S-Learn/狩り借り仮.pptx
+++ b/S-Learning Docment/S-Learn/狩り借り仮.pptx
@@ -22,6 +22,12 @@
     <p:sldId id="270" r:id="rId16"/>
     <p:sldId id="271" r:id="rId17"/>
     <p:sldId id="272" r:id="rId18"/>
+    <p:sldId id="273" r:id="rId19"/>
+    <p:sldId id="274" r:id="rId20"/>
+    <p:sldId id="275" r:id="rId21"/>
+    <p:sldId id="277" r:id="rId22"/>
+    <p:sldId id="276" r:id="rId23"/>
+    <p:sldId id="278" r:id="rId24"/>
   </p:sldIdLst>
   <p:sldSz cx="12192000" cy="6858000"/>
   <p:notesSz cx="6858000" cy="9144000"/>
@@ -8057,21 +8063,7 @@
                 <a:latin typeface="HGP創英角ﾎﾟｯﾌﾟ体" panose="040B0A00000000000000" pitchFamily="50" charset="-128"/>
                 <a:ea typeface="HGP創英角ﾎﾟｯﾌﾟ体" panose="040B0A00000000000000" pitchFamily="50" charset="-128"/>
               </a:rPr>
-              <a:t>数字</a:t>
-            </a:r>
-            <a:r>
-              <a:rPr kumimoji="1" lang="ja-JP" altLang="en-US" sz="3200" spc="300">
-                <a:latin typeface="HGP創英角ﾎﾟｯﾌﾟ体" panose="040B0A00000000000000" pitchFamily="50" charset="-128"/>
-                <a:ea typeface="HGP創英角ﾎﾟｯﾌﾟ体" panose="040B0A00000000000000" pitchFamily="50" charset="-128"/>
-              </a:rPr>
-              <a:t>の</a:t>
-            </a:r>
-            <a:r>
-              <a:rPr kumimoji="1" lang="ja-JP" altLang="en-US" sz="3200" spc="300" smtClean="0">
-                <a:latin typeface="HGP創英角ﾎﾟｯﾌﾟ体" panose="040B0A00000000000000" pitchFamily="50" charset="-128"/>
-                <a:ea typeface="HGP創英角ﾎﾟｯﾌﾟ体" panose="040B0A00000000000000" pitchFamily="50" charset="-128"/>
-              </a:rPr>
-              <a:t>揃え方</a:t>
+              <a:t>ゲームクリア方</a:t>
             </a:r>
             <a:endParaRPr kumimoji="1" lang="ja-JP" altLang="en-US" sz="3200" spc="300">
               <a:latin typeface="HGP創英角ﾎﾟｯﾌﾟ体" panose="040B0A00000000000000" pitchFamily="50" charset="-128"/>
@@ -8183,25 +8175,6 @@
           <a:chExt cx="0" cy="0"/>
         </a:xfrm>
       </p:grpSpPr>
-      <p:sp>
-        <p:nvSpPr>
-          <p:cNvPr id="2" name="タイトル 1"/>
-          <p:cNvSpPr>
-            <a:spLocks noGrp="1"/>
-          </p:cNvSpPr>
-          <p:nvPr>
-            <p:ph type="title"/>
-          </p:nvPr>
-        </p:nvSpPr>
-        <p:spPr/>
-        <p:txBody>
-          <a:bodyPr/>
-          <a:lstStyle/>
-          <a:p>
-            <a:endParaRPr kumimoji="1" lang="ja-JP" altLang="en-US"/>
-          </a:p>
-        </p:txBody>
-      </p:sp>
       <p:pic>
         <p:nvPicPr>
           <p:cNvPr id="4" name="コンテンツ プレースホルダー 4"/>
@@ -8317,7 +8290,7 @@
       </p:sp>
       <p:sp>
         <p:nvSpPr>
-          <p:cNvPr id="6" name="四角形吹き出し 5"/>
+          <p:cNvPr id="7" name="四角形吹き出し 6"/>
           <p:cNvSpPr/>
           <p:nvPr/>
         </p:nvSpPr>
@@ -8364,21 +8337,7 @@
                 <a:latin typeface="HGP創英角ﾎﾟｯﾌﾟ体" panose="040B0A00000000000000" pitchFamily="50" charset="-128"/>
                 <a:ea typeface="HGP創英角ﾎﾟｯﾌﾟ体" panose="040B0A00000000000000" pitchFamily="50" charset="-128"/>
               </a:rPr>
-              <a:t>数字</a:t>
-            </a:r>
-            <a:r>
-              <a:rPr kumimoji="1" lang="ja-JP" altLang="en-US" sz="3200" spc="300">
-                <a:latin typeface="HGP創英角ﾎﾟｯﾌﾟ体" panose="040B0A00000000000000" pitchFamily="50" charset="-128"/>
-                <a:ea typeface="HGP創英角ﾎﾟｯﾌﾟ体" panose="040B0A00000000000000" pitchFamily="50" charset="-128"/>
-              </a:rPr>
-              <a:t>の</a:t>
-            </a:r>
-            <a:r>
-              <a:rPr kumimoji="1" lang="ja-JP" altLang="en-US" sz="3200" spc="300" smtClean="0">
-                <a:latin typeface="HGP創英角ﾎﾟｯﾌﾟ体" panose="040B0A00000000000000" pitchFamily="50" charset="-128"/>
-                <a:ea typeface="HGP創英角ﾎﾟｯﾌﾟ体" panose="040B0A00000000000000" pitchFamily="50" charset="-128"/>
-              </a:rPr>
-              <a:t>揃え方</a:t>
+              <a:t>ゲームクリア方</a:t>
             </a:r>
             <a:endParaRPr kumimoji="1" lang="ja-JP" altLang="en-US" sz="3200" spc="300">
               <a:latin typeface="HGP創英角ﾎﾟｯﾌﾟ体" panose="040B0A00000000000000" pitchFamily="50" charset="-128"/>
@@ -8417,25 +8376,6 @@
           <a:chExt cx="0" cy="0"/>
         </a:xfrm>
       </p:grpSpPr>
-      <p:sp>
-        <p:nvSpPr>
-          <p:cNvPr id="2" name="タイトル 1"/>
-          <p:cNvSpPr>
-            <a:spLocks noGrp="1"/>
-          </p:cNvSpPr>
-          <p:nvPr>
-            <p:ph type="title"/>
-          </p:nvPr>
-        </p:nvSpPr>
-        <p:spPr/>
-        <p:txBody>
-          <a:bodyPr/>
-          <a:lstStyle/>
-          <a:p>
-            <a:endParaRPr kumimoji="1" lang="ja-JP" altLang="en-US"/>
-          </a:p>
-        </p:txBody>
-      </p:sp>
       <p:pic>
         <p:nvPicPr>
           <p:cNvPr id="5" name="コンテンツ プレースホルダー 4"/>
@@ -8467,7 +8407,235 @@
       </p:pic>
       <p:sp>
         <p:nvSpPr>
-          <p:cNvPr id="4" name="四角形吹き出し 3"/>
+          <p:cNvPr id="6" name="フレーム 5"/>
+          <p:cNvSpPr/>
+          <p:nvPr/>
+        </p:nvSpPr>
+        <p:spPr>
+          <a:xfrm>
+            <a:off x="1960371" y="3357885"/>
+            <a:ext cx="338959" cy="323192"/>
+          </a:xfrm>
+          <a:prstGeom prst="frame">
+            <a:avLst/>
+          </a:prstGeom>
+          <a:solidFill>
+            <a:srgbClr val="FF0000"/>
+          </a:solidFill>
+        </p:spPr>
+        <p:style>
+          <a:lnRef idx="2">
+            <a:schemeClr val="accent1">
+              <a:shade val="50000"/>
+            </a:schemeClr>
+          </a:lnRef>
+          <a:fillRef idx="1">
+            <a:schemeClr val="accent1"/>
+          </a:fillRef>
+          <a:effectRef idx="0">
+            <a:schemeClr val="accent1"/>
+          </a:effectRef>
+          <a:fontRef idx="minor">
+            <a:schemeClr val="lt1"/>
+          </a:fontRef>
+        </p:style>
+        <p:txBody>
+          <a:bodyPr rtlCol="0" anchor="ctr"/>
+          <a:lstStyle/>
+          <a:p>
+            <a:pPr algn="ctr"/>
+            <a:endParaRPr kumimoji="1" lang="ja-JP" altLang="en-US">
+              <a:solidFill>
+                <a:schemeClr val="tx1"/>
+              </a:solidFill>
+            </a:endParaRPr>
+          </a:p>
+        </p:txBody>
+      </p:sp>
+      <p:sp>
+        <p:nvSpPr>
+          <p:cNvPr id="7" name="対角する 2 つの角を切り取った四角形 6"/>
+          <p:cNvSpPr/>
+          <p:nvPr/>
+        </p:nvSpPr>
+        <p:spPr>
+          <a:xfrm>
+            <a:off x="1389506" y="4594271"/>
+            <a:ext cx="10018987" cy="2105962"/>
+          </a:xfrm>
+          <a:prstGeom prst="snip2DiagRect">
+            <a:avLst/>
+          </a:prstGeom>
+          <a:solidFill>
+            <a:schemeClr val="bg1"/>
+          </a:solidFill>
+        </p:spPr>
+        <p:style>
+          <a:lnRef idx="2">
+            <a:schemeClr val="accent1">
+              <a:shade val="50000"/>
+            </a:schemeClr>
+          </a:lnRef>
+          <a:fillRef idx="1">
+            <a:schemeClr val="accent1"/>
+          </a:fillRef>
+          <a:effectRef idx="0">
+            <a:schemeClr val="accent1"/>
+          </a:effectRef>
+          <a:fontRef idx="minor">
+            <a:schemeClr val="lt1"/>
+          </a:fontRef>
+        </p:style>
+        <p:txBody>
+          <a:bodyPr rtlCol="0" anchor="ctr"/>
+          <a:lstStyle/>
+          <a:p>
+            <a:pPr algn="ctr">
+              <a:lnSpc>
+                <a:spcPct val="150000"/>
+              </a:lnSpc>
+            </a:pPr>
+            <a:r>
+              <a:rPr kumimoji="1" lang="ja-JP" altLang="en-US" sz="2000" smtClean="0">
+                <a:solidFill>
+                  <a:schemeClr val="tx1"/>
+                </a:solidFill>
+                <a:latin typeface="+mj-ea"/>
+                <a:ea typeface="+mj-ea"/>
+              </a:rPr>
+              <a:t>もう一度、</a:t>
+            </a:r>
+            <a:r>
+              <a:rPr kumimoji="1" lang="en-US" altLang="ja-JP" sz="2000" smtClean="0">
+                <a:solidFill>
+                  <a:schemeClr val="tx1"/>
+                </a:solidFill>
+                <a:latin typeface="+mj-ea"/>
+                <a:ea typeface="+mj-ea"/>
+              </a:rPr>
+              <a:t>F12</a:t>
+            </a:r>
+            <a:r>
+              <a:rPr kumimoji="1" lang="ja-JP" altLang="en-US" sz="2000">
+                <a:solidFill>
+                  <a:schemeClr val="tx1"/>
+                </a:solidFill>
+                <a:latin typeface="+mj-ea"/>
+                <a:ea typeface="+mj-ea"/>
+              </a:rPr>
+              <a:t>キ</a:t>
+            </a:r>
+            <a:r>
+              <a:rPr kumimoji="1" lang="ja-JP" altLang="en-US" sz="2000" smtClean="0">
+                <a:solidFill>
+                  <a:schemeClr val="tx1"/>
+                </a:solidFill>
+                <a:latin typeface="+mj-ea"/>
+                <a:ea typeface="+mj-ea"/>
+              </a:rPr>
+              <a:t>ーを押して赤枠の部分をクリックします。</a:t>
+            </a:r>
+            <a:endParaRPr kumimoji="1" lang="en-US" altLang="ja-JP" sz="2000" smtClean="0">
+              <a:solidFill>
+                <a:schemeClr val="tx1"/>
+              </a:solidFill>
+              <a:latin typeface="+mj-ea"/>
+              <a:ea typeface="+mj-ea"/>
+            </a:endParaRPr>
+          </a:p>
+          <a:p>
+            <a:pPr algn="ctr">
+              <a:lnSpc>
+                <a:spcPct val="150000"/>
+              </a:lnSpc>
+            </a:pPr>
+            <a:r>
+              <a:rPr kumimoji="1" lang="ja-JP" altLang="en-US" sz="2000" smtClean="0">
+                <a:solidFill>
+                  <a:schemeClr val="tx1"/>
+                </a:solidFill>
+                <a:latin typeface="+mj-ea"/>
+                <a:ea typeface="+mj-ea"/>
+              </a:rPr>
+              <a:t>はずれ</a:t>
+            </a:r>
+            <a:r>
+              <a:rPr kumimoji="1" lang="en-US" altLang="ja-JP" sz="2000" smtClean="0">
+                <a:solidFill>
+                  <a:schemeClr val="tx1"/>
+                </a:solidFill>
+                <a:latin typeface="+mj-ea"/>
+                <a:ea typeface="+mj-ea"/>
+              </a:rPr>
+              <a:t>…</a:t>
+            </a:r>
+            <a:r>
+              <a:rPr kumimoji="1" lang="ja-JP" altLang="en-US" sz="2000" smtClean="0">
+                <a:solidFill>
+                  <a:schemeClr val="tx1"/>
+                </a:solidFill>
+                <a:latin typeface="+mj-ea"/>
+                <a:ea typeface="+mj-ea"/>
+              </a:rPr>
+              <a:t>が見えるように画面をスクロールします。</a:t>
+            </a:r>
+            <a:endParaRPr kumimoji="1" lang="en-US" altLang="ja-JP" sz="2000" smtClean="0">
+              <a:solidFill>
+                <a:schemeClr val="tx1"/>
+              </a:solidFill>
+              <a:latin typeface="+mj-ea"/>
+              <a:ea typeface="+mj-ea"/>
+            </a:endParaRPr>
+          </a:p>
+          <a:p>
+            <a:pPr algn="ctr">
+              <a:lnSpc>
+                <a:spcPct val="150000"/>
+              </a:lnSpc>
+            </a:pPr>
+            <a:r>
+              <a:rPr kumimoji="1" lang="ja-JP" altLang="en-US" sz="2000" smtClean="0">
+                <a:solidFill>
+                  <a:schemeClr val="tx1"/>
+                </a:solidFill>
+                <a:latin typeface="+mj-ea"/>
+                <a:ea typeface="+mj-ea"/>
+              </a:rPr>
+              <a:t>先ほどと同じように操作して、はずれ</a:t>
+            </a:r>
+            <a:r>
+              <a:rPr kumimoji="1" lang="en-US" altLang="ja-JP" sz="2000" smtClean="0">
+                <a:solidFill>
+                  <a:schemeClr val="tx1"/>
+                </a:solidFill>
+                <a:latin typeface="+mj-ea"/>
+                <a:ea typeface="+mj-ea"/>
+              </a:rPr>
+              <a:t>…</a:t>
+            </a:r>
+            <a:r>
+              <a:rPr kumimoji="1" lang="ja-JP" altLang="en-US" sz="2000" smtClean="0">
+                <a:solidFill>
+                  <a:schemeClr val="tx1"/>
+                </a:solidFill>
+                <a:latin typeface="+mj-ea"/>
+                <a:ea typeface="+mj-ea"/>
+              </a:rPr>
+              <a:t>の部分を見てみましょう。</a:t>
+            </a:r>
+            <a:endParaRPr kumimoji="1" lang="en-US" altLang="ja-JP" sz="2000" smtClean="0">
+              <a:solidFill>
+                <a:schemeClr val="tx1"/>
+              </a:solidFill>
+              <a:latin typeface="+mj-ea"/>
+              <a:ea typeface="+mj-ea"/>
+            </a:endParaRPr>
+          </a:p>
+        </p:txBody>
+      </p:sp>
+      <p:sp>
+        <p:nvSpPr>
+          <p:cNvPr id="8" name="四角形吹き出し 7"/>
           <p:cNvSpPr/>
           <p:nvPr/>
         </p:nvSpPr>
@@ -8514,253 +8682,11 @@
                 <a:latin typeface="HGP創英角ﾎﾟｯﾌﾟ体" panose="040B0A00000000000000" pitchFamily="50" charset="-128"/>
                 <a:ea typeface="HGP創英角ﾎﾟｯﾌﾟ体" panose="040B0A00000000000000" pitchFamily="50" charset="-128"/>
               </a:rPr>
-              <a:t>数字</a:t>
-            </a:r>
-            <a:r>
-              <a:rPr kumimoji="1" lang="ja-JP" altLang="en-US" sz="3200" spc="300">
-                <a:latin typeface="HGP創英角ﾎﾟｯﾌﾟ体" panose="040B0A00000000000000" pitchFamily="50" charset="-128"/>
-                <a:ea typeface="HGP創英角ﾎﾟｯﾌﾟ体" panose="040B0A00000000000000" pitchFamily="50" charset="-128"/>
-              </a:rPr>
-              <a:t>の</a:t>
-            </a:r>
-            <a:r>
-              <a:rPr kumimoji="1" lang="ja-JP" altLang="en-US" sz="3200" spc="300" smtClean="0">
-                <a:latin typeface="HGP創英角ﾎﾟｯﾌﾟ体" panose="040B0A00000000000000" pitchFamily="50" charset="-128"/>
-                <a:ea typeface="HGP創英角ﾎﾟｯﾌﾟ体" panose="040B0A00000000000000" pitchFamily="50" charset="-128"/>
-              </a:rPr>
-              <a:t>揃え方</a:t>
+              <a:t>ゲームクリア方</a:t>
             </a:r>
             <a:endParaRPr kumimoji="1" lang="ja-JP" altLang="en-US" sz="3200" spc="300">
               <a:latin typeface="HGP創英角ﾎﾟｯﾌﾟ体" panose="040B0A00000000000000" pitchFamily="50" charset="-128"/>
               <a:ea typeface="HGP創英角ﾎﾟｯﾌﾟ体" panose="040B0A00000000000000" pitchFamily="50" charset="-128"/>
-            </a:endParaRPr>
-          </a:p>
-        </p:txBody>
-      </p:sp>
-      <p:sp>
-        <p:nvSpPr>
-          <p:cNvPr id="6" name="フレーム 5"/>
-          <p:cNvSpPr/>
-          <p:nvPr/>
-        </p:nvSpPr>
-        <p:spPr>
-          <a:xfrm>
-            <a:off x="1960371" y="3357885"/>
-            <a:ext cx="338959" cy="323192"/>
-          </a:xfrm>
-          <a:prstGeom prst="frame">
-            <a:avLst/>
-          </a:prstGeom>
-          <a:solidFill>
-            <a:srgbClr val="FF0000"/>
-          </a:solidFill>
-        </p:spPr>
-        <p:style>
-          <a:lnRef idx="2">
-            <a:schemeClr val="accent1">
-              <a:shade val="50000"/>
-            </a:schemeClr>
-          </a:lnRef>
-          <a:fillRef idx="1">
-            <a:schemeClr val="accent1"/>
-          </a:fillRef>
-          <a:effectRef idx="0">
-            <a:schemeClr val="accent1"/>
-          </a:effectRef>
-          <a:fontRef idx="minor">
-            <a:schemeClr val="lt1"/>
-          </a:fontRef>
-        </p:style>
-        <p:txBody>
-          <a:bodyPr rtlCol="0" anchor="ctr"/>
-          <a:lstStyle/>
-          <a:p>
-            <a:pPr algn="ctr"/>
-            <a:endParaRPr kumimoji="1" lang="ja-JP" altLang="en-US">
-              <a:solidFill>
-                <a:schemeClr val="tx1"/>
-              </a:solidFill>
-            </a:endParaRPr>
-          </a:p>
-        </p:txBody>
-      </p:sp>
-      <p:sp>
-        <p:nvSpPr>
-          <p:cNvPr id="7" name="対角する 2 つの角を切り取った四角形 6"/>
-          <p:cNvSpPr/>
-          <p:nvPr/>
-        </p:nvSpPr>
-        <p:spPr>
-          <a:xfrm>
-            <a:off x="1389506" y="4594271"/>
-            <a:ext cx="10018987" cy="2105962"/>
-          </a:xfrm>
-          <a:prstGeom prst="snip2DiagRect">
-            <a:avLst/>
-          </a:prstGeom>
-          <a:solidFill>
-            <a:schemeClr val="bg1"/>
-          </a:solidFill>
-        </p:spPr>
-        <p:style>
-          <a:lnRef idx="2">
-            <a:schemeClr val="accent1">
-              <a:shade val="50000"/>
-            </a:schemeClr>
-          </a:lnRef>
-          <a:fillRef idx="1">
-            <a:schemeClr val="accent1"/>
-          </a:fillRef>
-          <a:effectRef idx="0">
-            <a:schemeClr val="accent1"/>
-          </a:effectRef>
-          <a:fontRef idx="minor">
-            <a:schemeClr val="lt1"/>
-          </a:fontRef>
-        </p:style>
-        <p:txBody>
-          <a:bodyPr rtlCol="0" anchor="ctr"/>
-          <a:lstStyle/>
-          <a:p>
-            <a:pPr algn="ctr">
-              <a:lnSpc>
-                <a:spcPct val="150000"/>
-              </a:lnSpc>
-            </a:pPr>
-            <a:r>
-              <a:rPr kumimoji="1" lang="ja-JP" altLang="en-US" sz="2000" smtClean="0">
-                <a:solidFill>
-                  <a:schemeClr val="tx1"/>
-                </a:solidFill>
-                <a:latin typeface="+mj-ea"/>
-                <a:ea typeface="+mj-ea"/>
-              </a:rPr>
-              <a:t>もう一度、</a:t>
-            </a:r>
-            <a:r>
-              <a:rPr kumimoji="1" lang="en-US" altLang="ja-JP" sz="2000" smtClean="0">
-                <a:solidFill>
-                  <a:schemeClr val="tx1"/>
-                </a:solidFill>
-                <a:latin typeface="+mj-ea"/>
-                <a:ea typeface="+mj-ea"/>
-              </a:rPr>
-              <a:t>F12</a:t>
-            </a:r>
-            <a:r>
-              <a:rPr kumimoji="1" lang="ja-JP" altLang="en-US" sz="2000">
-                <a:solidFill>
-                  <a:schemeClr val="tx1"/>
-                </a:solidFill>
-                <a:latin typeface="+mj-ea"/>
-                <a:ea typeface="+mj-ea"/>
-              </a:rPr>
-              <a:t>キ</a:t>
-            </a:r>
-            <a:r>
-              <a:rPr kumimoji="1" lang="ja-JP" altLang="en-US" sz="2000" smtClean="0">
-                <a:solidFill>
-                  <a:schemeClr val="tx1"/>
-                </a:solidFill>
-                <a:latin typeface="+mj-ea"/>
-                <a:ea typeface="+mj-ea"/>
-              </a:rPr>
-              <a:t>ーを押して赤枠の部分をクリックします。</a:t>
-            </a:r>
-            <a:endParaRPr kumimoji="1" lang="en-US" altLang="ja-JP" sz="2000" smtClean="0">
-              <a:solidFill>
-                <a:schemeClr val="tx1"/>
-              </a:solidFill>
-              <a:latin typeface="+mj-ea"/>
-              <a:ea typeface="+mj-ea"/>
-            </a:endParaRPr>
-          </a:p>
-          <a:p>
-            <a:pPr algn="ctr">
-              <a:lnSpc>
-                <a:spcPct val="150000"/>
-              </a:lnSpc>
-            </a:pPr>
-            <a:r>
-              <a:rPr kumimoji="1" lang="ja-JP" altLang="en-US" sz="2000" smtClean="0">
-                <a:solidFill>
-                  <a:schemeClr val="tx1"/>
-                </a:solidFill>
-                <a:latin typeface="+mj-ea"/>
-                <a:ea typeface="+mj-ea"/>
-              </a:rPr>
-              <a:t>はずれ</a:t>
-            </a:r>
-            <a:r>
-              <a:rPr kumimoji="1" lang="en-US" altLang="ja-JP" sz="2000" smtClean="0">
-                <a:solidFill>
-                  <a:schemeClr val="tx1"/>
-                </a:solidFill>
-                <a:latin typeface="+mj-ea"/>
-                <a:ea typeface="+mj-ea"/>
-              </a:rPr>
-              <a:t>…</a:t>
-            </a:r>
-            <a:r>
-              <a:rPr kumimoji="1" lang="ja-JP" altLang="en-US" sz="2000" smtClean="0">
-                <a:solidFill>
-                  <a:schemeClr val="tx1"/>
-                </a:solidFill>
-                <a:latin typeface="+mj-ea"/>
-                <a:ea typeface="+mj-ea"/>
-              </a:rPr>
-              <a:t>が見えるように画面をスクロールします。</a:t>
-            </a:r>
-            <a:endParaRPr kumimoji="1" lang="en-US" altLang="ja-JP" sz="2000" smtClean="0">
-              <a:solidFill>
-                <a:schemeClr val="tx1"/>
-              </a:solidFill>
-              <a:latin typeface="+mj-ea"/>
-              <a:ea typeface="+mj-ea"/>
-            </a:endParaRPr>
-          </a:p>
-          <a:p>
-            <a:pPr algn="ctr">
-              <a:lnSpc>
-                <a:spcPct val="150000"/>
-              </a:lnSpc>
-            </a:pPr>
-            <a:r>
-              <a:rPr kumimoji="1" lang="ja-JP" altLang="en-US" sz="2000" smtClean="0">
-                <a:solidFill>
-                  <a:schemeClr val="tx1"/>
-                </a:solidFill>
-                <a:latin typeface="+mj-ea"/>
-                <a:ea typeface="+mj-ea"/>
-              </a:rPr>
-              <a:t>先ほどと同じように操作して、はずれ</a:t>
-            </a:r>
-            <a:r>
-              <a:rPr kumimoji="1" lang="en-US" altLang="ja-JP" sz="2000" smtClean="0">
-                <a:solidFill>
-                  <a:schemeClr val="tx1"/>
-                </a:solidFill>
-                <a:latin typeface="+mj-ea"/>
-                <a:ea typeface="+mj-ea"/>
-              </a:rPr>
-              <a:t>…</a:t>
-            </a:r>
-            <a:r>
-              <a:rPr kumimoji="1" lang="ja-JP" altLang="en-US" sz="2000" smtClean="0">
-                <a:solidFill>
-                  <a:schemeClr val="tx1"/>
-                </a:solidFill>
-                <a:latin typeface="+mj-ea"/>
-                <a:ea typeface="+mj-ea"/>
-              </a:rPr>
-              <a:t>の部分を見てみましょう。</a:t>
-            </a:r>
-            <a:endParaRPr kumimoji="1" lang="en-US" altLang="ja-JP" sz="2000" smtClean="0">
-              <a:solidFill>
-                <a:schemeClr val="tx1"/>
-              </a:solidFill>
-              <a:latin typeface="+mj-ea"/>
-              <a:ea typeface="+mj-ea"/>
             </a:endParaRPr>
           </a:p>
         </p:txBody>
@@ -8795,25 +8721,6 @@
           <a:chExt cx="0" cy="0"/>
         </a:xfrm>
       </p:grpSpPr>
-      <p:sp>
-        <p:nvSpPr>
-          <p:cNvPr id="2" name="タイトル 1"/>
-          <p:cNvSpPr>
-            <a:spLocks noGrp="1"/>
-          </p:cNvSpPr>
-          <p:nvPr>
-            <p:ph type="title"/>
-          </p:nvPr>
-        </p:nvSpPr>
-        <p:spPr/>
-        <p:txBody>
-          <a:bodyPr/>
-          <a:lstStyle/>
-          <a:p>
-            <a:endParaRPr kumimoji="1" lang="ja-JP" altLang="en-US"/>
-          </a:p>
-        </p:txBody>
-      </p:sp>
       <p:pic>
         <p:nvPicPr>
           <p:cNvPr id="6" name="コンテンツ プレースホルダー 5"/>
@@ -8845,7 +8752,114 @@
       </p:pic>
       <p:sp>
         <p:nvSpPr>
-          <p:cNvPr id="4" name="四角形吹き出し 3"/>
+          <p:cNvPr id="5" name="対角する 2 つの角を切り取った四角形 4"/>
+          <p:cNvSpPr/>
+          <p:nvPr/>
+        </p:nvSpPr>
+        <p:spPr>
+          <a:xfrm>
+            <a:off x="1389506" y="4594271"/>
+            <a:ext cx="10198149" cy="2105962"/>
+          </a:xfrm>
+          <a:prstGeom prst="snip2DiagRect">
+            <a:avLst/>
+          </a:prstGeom>
+          <a:solidFill>
+            <a:schemeClr val="bg1"/>
+          </a:solidFill>
+        </p:spPr>
+        <p:style>
+          <a:lnRef idx="2">
+            <a:schemeClr val="accent1">
+              <a:shade val="50000"/>
+            </a:schemeClr>
+          </a:lnRef>
+          <a:fillRef idx="1">
+            <a:schemeClr val="accent1"/>
+          </a:fillRef>
+          <a:effectRef idx="0">
+            <a:schemeClr val="accent1"/>
+          </a:effectRef>
+          <a:fontRef idx="minor">
+            <a:schemeClr val="lt1"/>
+          </a:fontRef>
+        </p:style>
+        <p:txBody>
+          <a:bodyPr rtlCol="0" anchor="ctr"/>
+          <a:lstStyle/>
+          <a:p>
+            <a:pPr algn="ctr">
+              <a:lnSpc>
+                <a:spcPct val="150000"/>
+              </a:lnSpc>
+            </a:pPr>
+            <a:r>
+              <a:rPr kumimoji="1" lang="ja-JP" altLang="en-US" sz="2000" smtClean="0">
+                <a:solidFill>
+                  <a:schemeClr val="tx1"/>
+                </a:solidFill>
+                <a:latin typeface="+mj-ea"/>
+                <a:ea typeface="+mj-ea"/>
+              </a:rPr>
+              <a:t>この画像が、「</a:t>
+            </a:r>
+            <a:r>
+              <a:rPr kumimoji="1" lang="en-US" altLang="ja-JP" sz="2000" smtClean="0">
+                <a:solidFill>
+                  <a:schemeClr val="tx1"/>
+                </a:solidFill>
+                <a:latin typeface="+mj-ea"/>
+                <a:ea typeface="+mj-ea"/>
+              </a:rPr>
+              <a:t>noclear.png</a:t>
+            </a:r>
+            <a:r>
+              <a:rPr kumimoji="1" lang="ja-JP" altLang="en-US" sz="2000" smtClean="0">
+                <a:solidFill>
+                  <a:schemeClr val="tx1"/>
+                </a:solidFill>
+                <a:latin typeface="+mj-ea"/>
+                <a:ea typeface="+mj-ea"/>
+              </a:rPr>
+              <a:t>」と言う名前であることが分かりました。</a:t>
+            </a:r>
+            <a:endParaRPr kumimoji="1" lang="en-US" altLang="ja-JP" sz="2000" smtClean="0">
+              <a:solidFill>
+                <a:schemeClr val="tx1"/>
+              </a:solidFill>
+              <a:latin typeface="+mj-ea"/>
+              <a:ea typeface="+mj-ea"/>
+            </a:endParaRPr>
+          </a:p>
+          <a:p>
+            <a:pPr algn="ctr">
+              <a:lnSpc>
+                <a:spcPct val="150000"/>
+              </a:lnSpc>
+            </a:pPr>
+            <a:r>
+              <a:rPr kumimoji="1" lang="ja-JP" altLang="en-US" sz="2000" smtClean="0">
+                <a:solidFill>
+                  <a:schemeClr val="tx1"/>
+                </a:solidFill>
+                <a:latin typeface="+mj-ea"/>
+                <a:ea typeface="+mj-ea"/>
+              </a:rPr>
+              <a:t>このゲームをクリアにするためには、何処をどの様に書き換えれば良いでしょうか？</a:t>
+            </a:r>
+            <a:endParaRPr kumimoji="1" lang="en-US" altLang="ja-JP" sz="2000" smtClean="0">
+              <a:solidFill>
+                <a:schemeClr val="tx1"/>
+              </a:solidFill>
+              <a:latin typeface="+mj-ea"/>
+              <a:ea typeface="+mj-ea"/>
+            </a:endParaRPr>
+          </a:p>
+        </p:txBody>
+      </p:sp>
+      <p:sp>
+        <p:nvSpPr>
+          <p:cNvPr id="7" name="四角形吹き出し 6"/>
           <p:cNvSpPr/>
           <p:nvPr/>
         </p:nvSpPr>
@@ -8892,21 +8906,7 @@
                 <a:latin typeface="HGP創英角ﾎﾟｯﾌﾟ体" panose="040B0A00000000000000" pitchFamily="50" charset="-128"/>
                 <a:ea typeface="HGP創英角ﾎﾟｯﾌﾟ体" panose="040B0A00000000000000" pitchFamily="50" charset="-128"/>
               </a:rPr>
-              <a:t>数字</a:t>
-            </a:r>
-            <a:r>
-              <a:rPr kumimoji="1" lang="ja-JP" altLang="en-US" sz="3200" spc="300">
-                <a:latin typeface="HGP創英角ﾎﾟｯﾌﾟ体" panose="040B0A00000000000000" pitchFamily="50" charset="-128"/>
-                <a:ea typeface="HGP創英角ﾎﾟｯﾌﾟ体" panose="040B0A00000000000000" pitchFamily="50" charset="-128"/>
-              </a:rPr>
-              <a:t>の</a:t>
-            </a:r>
-            <a:r>
-              <a:rPr kumimoji="1" lang="ja-JP" altLang="en-US" sz="3200" spc="300" smtClean="0">
-                <a:latin typeface="HGP創英角ﾎﾟｯﾌﾟ体" panose="040B0A00000000000000" pitchFamily="50" charset="-128"/>
-                <a:ea typeface="HGP創英角ﾎﾟｯﾌﾟ体" panose="040B0A00000000000000" pitchFamily="50" charset="-128"/>
-              </a:rPr>
-              <a:t>揃え方</a:t>
+              <a:t>ゲームクリア方</a:t>
             </a:r>
             <a:endParaRPr kumimoji="1" lang="ja-JP" altLang="en-US" sz="3200" spc="300">
               <a:latin typeface="HGP創英角ﾎﾟｯﾌﾟ体" panose="040B0A00000000000000" pitchFamily="50" charset="-128"/>
@@ -8915,16 +8915,75 @@
           </a:p>
         </p:txBody>
       </p:sp>
-      <p:sp>
-        <p:nvSpPr>
-          <p:cNvPr id="5" name="対角する 2 つの角を切り取った四角形 4"/>
+    </p:spTree>
+    <p:extLst>
+      <p:ext uri="{BB962C8B-B14F-4D97-AF65-F5344CB8AC3E}">
+        <p14:creationId xmlns:p14="http://schemas.microsoft.com/office/powerpoint/2010/main" val="1195542704"/>
+      </p:ext>
+    </p:extLst>
+  </p:cSld>
+  <p:clrMapOvr>
+    <a:masterClrMapping/>
+  </p:clrMapOvr>
+</p:sld>
+</file>
+
+<file path=ppt/slides/slide18.xml><?xml version="1.0" encoding="utf-8"?>
+<p:sld xmlns:a="http://schemas.openxmlformats.org/drawingml/2006/main" xmlns:r="http://schemas.openxmlformats.org/officeDocument/2006/relationships" xmlns:p="http://schemas.openxmlformats.org/presentationml/2006/main">
+  <p:cSld>
+    <p:spTree>
+      <p:nvGrpSpPr>
+        <p:cNvPr id="1" name=""/>
+        <p:cNvGrpSpPr/>
+        <p:nvPr/>
+      </p:nvGrpSpPr>
+      <p:grpSpPr>
+        <a:xfrm>
+          <a:off x="0" y="0"/>
+          <a:ext cx="0" cy="0"/>
+          <a:chOff x="0" y="0"/>
+          <a:chExt cx="0" cy="0"/>
+        </a:xfrm>
+      </p:grpSpPr>
+      <p:pic>
+        <p:nvPicPr>
+          <p:cNvPr id="4" name="コンテンツ プレースホルダー 3"/>
+          <p:cNvPicPr>
+            <a:picLocks noGrp="1" noChangeAspect="1"/>
+          </p:cNvPicPr>
+          <p:nvPr>
+            <p:ph idx="1"/>
+          </p:nvPr>
+        </p:nvPicPr>
+        <p:blipFill>
+          <a:blip r:embed="rId2">
+            <a:extLst>
+              <a:ext uri="{28A0092B-C50C-407E-A947-70E740481C1C}">
+                <a14:useLocalDpi xmlns:a14="http://schemas.microsoft.com/office/drawing/2010/main" val="0"/>
+              </a:ext>
+            </a:extLst>
+          </a:blip>
+          <a:stretch>
+            <a:fillRect/>
+          </a:stretch>
+        </p:blipFill>
+        <p:spPr>
+          <a:xfrm>
+            <a:off x="1998000" y="1011600"/>
+            <a:ext cx="8701311" cy="4402800"/>
+          </a:xfrm>
+        </p:spPr>
+      </p:pic>
+      <p:sp>
+        <p:nvSpPr>
+          <p:cNvPr id="6" name="対角する 2 つの角を切り取った四角形 5"/>
           <p:cNvSpPr/>
           <p:nvPr/>
         </p:nvSpPr>
         <p:spPr>
           <a:xfrm>
             <a:off x="1389506" y="4594271"/>
-            <a:ext cx="10018987" cy="2105962"/>
+            <a:ext cx="10198149" cy="2105962"/>
           </a:xfrm>
           <a:prstGeom prst="snip2DiagRect">
             <a:avLst/>
@@ -8959,36 +9018,16 @@
               </a:lnSpc>
             </a:pPr>
             <a:r>
-              <a:rPr kumimoji="1" lang="ja-JP" altLang="en-US" sz="2000" smtClean="0">
+              <a:rPr kumimoji="1" lang="ja-JP" altLang="en-US" sz="3200" smtClean="0">
                 <a:solidFill>
                   <a:schemeClr val="tx1"/>
                 </a:solidFill>
                 <a:latin typeface="+mj-ea"/>
                 <a:ea typeface="+mj-ea"/>
               </a:rPr>
-              <a:t>この画像が、「</a:t>
-            </a:r>
-            <a:r>
-              <a:rPr kumimoji="1" lang="en-US" altLang="ja-JP" sz="2000" smtClean="0">
-                <a:solidFill>
-                  <a:schemeClr val="tx1"/>
-                </a:solidFill>
-                <a:latin typeface="+mj-ea"/>
-                <a:ea typeface="+mj-ea"/>
-              </a:rPr>
-              <a:t>noclear.png</a:t>
-            </a:r>
-            <a:r>
-              <a:rPr kumimoji="1" lang="ja-JP" altLang="en-US" sz="2000" smtClean="0">
-                <a:solidFill>
-                  <a:schemeClr val="tx1"/>
-                </a:solidFill>
-                <a:latin typeface="+mj-ea"/>
-                <a:ea typeface="+mj-ea"/>
-              </a:rPr>
-              <a:t>」と言う名前であることが分かりました。</a:t>
-            </a:r>
-            <a:endParaRPr kumimoji="1" lang="en-US" altLang="ja-JP" sz="2000" smtClean="0">
+              <a:t>無事、「当たり」にすることが出来ました。</a:t>
+            </a:r>
+            <a:endParaRPr kumimoji="1" lang="en-US" altLang="ja-JP" sz="3200" smtClean="0">
               <a:solidFill>
                 <a:schemeClr val="tx1"/>
               </a:solidFill>
@@ -8996,165 +9035,11 @@
               <a:ea typeface="+mj-ea"/>
             </a:endParaRPr>
           </a:p>
-          <a:p>
-            <a:pPr algn="ctr">
-              <a:lnSpc>
-                <a:spcPct val="150000"/>
-              </a:lnSpc>
-            </a:pPr>
-            <a:r>
-              <a:rPr kumimoji="1" lang="ja-JP" altLang="en-US" sz="2000" smtClean="0">
-                <a:solidFill>
-                  <a:schemeClr val="tx1"/>
-                </a:solidFill>
-                <a:latin typeface="+mj-ea"/>
-                <a:ea typeface="+mj-ea"/>
-              </a:rPr>
-              <a:t>では、これをクリアにするためには何処をどの様に書き換えれば良いでしょうか？</a:t>
-            </a:r>
-            <a:endParaRPr kumimoji="1" lang="en-US" altLang="ja-JP" sz="2000" smtClean="0">
-              <a:solidFill>
-                <a:schemeClr val="tx1"/>
-              </a:solidFill>
-              <a:latin typeface="+mj-ea"/>
-              <a:ea typeface="+mj-ea"/>
-            </a:endParaRPr>
-          </a:p>
-        </p:txBody>
-      </p:sp>
-    </p:spTree>
-    <p:extLst>
-      <p:ext uri="{BB962C8B-B14F-4D97-AF65-F5344CB8AC3E}">
-        <p14:creationId xmlns:p14="http://schemas.microsoft.com/office/powerpoint/2010/main" val="1195542704"/>
-      </p:ext>
-    </p:extLst>
-  </p:cSld>
-  <p:clrMapOvr>
-    <a:masterClrMapping/>
-  </p:clrMapOvr>
-</p:sld>
-</file>
-
-<file path=ppt/slides/slide2.xml><?xml version="1.0" encoding="utf-8"?>
-<p:sld xmlns:a="http://schemas.openxmlformats.org/drawingml/2006/main" xmlns:r="http://schemas.openxmlformats.org/officeDocument/2006/relationships" xmlns:p="http://schemas.openxmlformats.org/presentationml/2006/main">
-  <p:cSld>
-    <p:spTree>
-      <p:nvGrpSpPr>
-        <p:cNvPr id="1" name=""/>
-        <p:cNvGrpSpPr/>
-        <p:nvPr/>
-      </p:nvGrpSpPr>
-      <p:grpSpPr>
-        <a:xfrm>
-          <a:off x="0" y="0"/>
-          <a:ext cx="0" cy="0"/>
-          <a:chOff x="0" y="0"/>
-          <a:chExt cx="0" cy="0"/>
-        </a:xfrm>
-      </p:grpSpPr>
-      <p:sp>
-        <p:nvSpPr>
-          <p:cNvPr id="2" name="タイトル 1"/>
-          <p:cNvSpPr>
-            <a:spLocks noGrp="1"/>
-          </p:cNvSpPr>
-          <p:nvPr>
-            <p:ph type="title"/>
-          </p:nvPr>
-        </p:nvSpPr>
-        <p:spPr/>
-        <p:txBody>
-          <a:bodyPr/>
-          <a:lstStyle/>
-          <a:p>
-            <a:endParaRPr kumimoji="1" lang="ja-JP" altLang="en-US" dirty="0"/>
-          </a:p>
-        </p:txBody>
-      </p:sp>
-      <p:sp>
-        <p:nvSpPr>
-          <p:cNvPr id="3" name="コンテンツ プレースホルダー 2"/>
-          <p:cNvSpPr>
-            <a:spLocks noGrp="1"/>
-          </p:cNvSpPr>
-          <p:nvPr>
-            <p:ph idx="1"/>
-          </p:nvPr>
-        </p:nvSpPr>
-        <p:spPr/>
-        <p:txBody>
-          <a:bodyPr/>
-          <a:lstStyle/>
-          <a:p>
-            <a:r>
-              <a:rPr kumimoji="1" lang="ja-JP" altLang="en-US" dirty="0" smtClean="0"/>
-              <a:t>問題に取り組む前に</a:t>
-            </a:r>
-            <a:endParaRPr kumimoji="1" lang="ja-JP" altLang="en-US" dirty="0"/>
-          </a:p>
-        </p:txBody>
-      </p:sp>
-    </p:spTree>
-    <p:extLst>
-      <p:ext uri="{BB962C8B-B14F-4D97-AF65-F5344CB8AC3E}">
-        <p14:creationId xmlns:p14="http://schemas.microsoft.com/office/powerpoint/2010/main" val="2966015995"/>
-      </p:ext>
-    </p:extLst>
-  </p:cSld>
-  <p:clrMapOvr>
-    <a:masterClrMapping/>
-  </p:clrMapOvr>
-</p:sld>
-</file>
-
-<file path=ppt/slides/slide3.xml><?xml version="1.0" encoding="utf-8"?>
-<p:sld xmlns:a="http://schemas.openxmlformats.org/drawingml/2006/main" xmlns:r="http://schemas.openxmlformats.org/officeDocument/2006/relationships" xmlns:p="http://schemas.openxmlformats.org/presentationml/2006/main">
-  <p:cSld>
-    <p:spTree>
-      <p:nvGrpSpPr>
-        <p:cNvPr id="1" name=""/>
-        <p:cNvGrpSpPr/>
-        <p:nvPr/>
-      </p:nvGrpSpPr>
-      <p:grpSpPr>
-        <a:xfrm>
-          <a:off x="0" y="0"/>
-          <a:ext cx="0" cy="0"/>
-          <a:chOff x="0" y="0"/>
-          <a:chExt cx="0" cy="0"/>
-        </a:xfrm>
-      </p:grpSpPr>
-      <p:sp>
-        <p:nvSpPr>
-          <p:cNvPr id="2" name="タイトル 1"/>
-          <p:cNvSpPr>
-            <a:spLocks noGrp="1"/>
-          </p:cNvSpPr>
-          <p:nvPr>
-            <p:ph type="title"/>
-          </p:nvPr>
-        </p:nvSpPr>
-        <p:spPr>
-          <a:xfrm>
-            <a:off x="1484310" y="1160735"/>
-            <a:ext cx="7304204" cy="800101"/>
-          </a:xfrm>
-        </p:spPr>
-        <p:txBody>
-          <a:bodyPr/>
-          <a:lstStyle/>
-          <a:p>
-            <a:r>
-              <a:rPr kumimoji="1" lang="ja-JP" altLang="en-US" dirty="0" smtClean="0"/>
-              <a:t>階層について</a:t>
-            </a:r>
-            <a:endParaRPr kumimoji="1" lang="ja-JP" altLang="en-US" dirty="0"/>
-          </a:p>
-        </p:txBody>
-      </p:sp>
-      <p:sp>
-        <p:nvSpPr>
-          <p:cNvPr id="4" name="四角形吹き出し 3"/>
+        </p:txBody>
+      </p:sp>
+      <p:sp>
+        <p:nvSpPr>
+          <p:cNvPr id="7" name="四角形吹き出し 6"/>
           <p:cNvSpPr/>
           <p:nvPr/>
         </p:nvSpPr>
@@ -9197,6 +9082,1074 @@
           <a:p>
             <a:pPr algn="ctr"/>
             <a:r>
+              <a:rPr kumimoji="1" lang="ja-JP" altLang="en-US" sz="3200" spc="300" smtClean="0">
+                <a:latin typeface="HGP創英角ﾎﾟｯﾌﾟ体" panose="040B0A00000000000000" pitchFamily="50" charset="-128"/>
+                <a:ea typeface="HGP創英角ﾎﾟｯﾌﾟ体" panose="040B0A00000000000000" pitchFamily="50" charset="-128"/>
+              </a:rPr>
+              <a:t>ゲームクリア方</a:t>
+            </a:r>
+            <a:endParaRPr kumimoji="1" lang="ja-JP" altLang="en-US" sz="3200" spc="300">
+              <a:latin typeface="HGP創英角ﾎﾟｯﾌﾟ体" panose="040B0A00000000000000" pitchFamily="50" charset="-128"/>
+              <a:ea typeface="HGP創英角ﾎﾟｯﾌﾟ体" panose="040B0A00000000000000" pitchFamily="50" charset="-128"/>
+            </a:endParaRPr>
+          </a:p>
+        </p:txBody>
+      </p:sp>
+    </p:spTree>
+    <p:extLst>
+      <p:ext uri="{BB962C8B-B14F-4D97-AF65-F5344CB8AC3E}">
+        <p14:creationId xmlns:p14="http://schemas.microsoft.com/office/powerpoint/2010/main" val="2902644948"/>
+      </p:ext>
+    </p:extLst>
+  </p:cSld>
+  <p:clrMapOvr>
+    <a:masterClrMapping/>
+  </p:clrMapOvr>
+</p:sld>
+</file>
+
+<file path=ppt/slides/slide19.xml><?xml version="1.0" encoding="utf-8"?>
+<p:sld xmlns:a="http://schemas.openxmlformats.org/drawingml/2006/main" xmlns:r="http://schemas.openxmlformats.org/officeDocument/2006/relationships" xmlns:p="http://schemas.openxmlformats.org/presentationml/2006/main">
+  <p:cSld>
+    <p:spTree>
+      <p:nvGrpSpPr>
+        <p:cNvPr id="1" name=""/>
+        <p:cNvGrpSpPr/>
+        <p:nvPr/>
+      </p:nvGrpSpPr>
+      <p:grpSpPr>
+        <a:xfrm>
+          <a:off x="0" y="0"/>
+          <a:ext cx="0" cy="0"/>
+          <a:chOff x="0" y="0"/>
+          <a:chExt cx="0" cy="0"/>
+        </a:xfrm>
+      </p:grpSpPr>
+      <p:sp>
+        <p:nvSpPr>
+          <p:cNvPr id="4" name="四角形吹き出し 3"/>
+          <p:cNvSpPr/>
+          <p:nvPr/>
+        </p:nvSpPr>
+        <p:spPr>
+          <a:xfrm>
+            <a:off x="252248" y="63063"/>
+            <a:ext cx="4035972" cy="780393"/>
+          </a:xfrm>
+          <a:prstGeom prst="wedgeRectCallout">
+            <a:avLst/>
+          </a:prstGeom>
+          <a:solidFill>
+            <a:srgbClr val="00B0F0"/>
+          </a:solidFill>
+          <a:ln>
+            <a:solidFill>
+              <a:srgbClr val="00B0F0"/>
+            </a:solidFill>
+          </a:ln>
+        </p:spPr>
+        <p:style>
+          <a:lnRef idx="2">
+            <a:schemeClr val="dk1">
+              <a:shade val="50000"/>
+            </a:schemeClr>
+          </a:lnRef>
+          <a:fillRef idx="1">
+            <a:schemeClr val="dk1"/>
+          </a:fillRef>
+          <a:effectRef idx="0">
+            <a:schemeClr val="dk1"/>
+          </a:effectRef>
+          <a:fontRef idx="minor">
+            <a:schemeClr val="lt1"/>
+          </a:fontRef>
+        </p:style>
+        <p:txBody>
+          <a:bodyPr rtlCol="0" anchor="ctr"/>
+          <a:lstStyle/>
+          <a:p>
+            <a:pPr algn="ctr"/>
+            <a:r>
+              <a:rPr kumimoji="1" lang="ja-JP" altLang="en-US" sz="3200" spc="300">
+                <a:latin typeface="HGP創英角ﾎﾟｯﾌﾟ体" panose="040B0A00000000000000" pitchFamily="50" charset="-128"/>
+                <a:ea typeface="HGP創英角ﾎﾟｯﾌﾟ体" panose="040B0A00000000000000" pitchFamily="50" charset="-128"/>
+              </a:rPr>
+              <a:t>シン</a:t>
+            </a:r>
+            <a:r>
+              <a:rPr kumimoji="1" lang="ja-JP" altLang="en-US" sz="3200" spc="300" smtClean="0">
+                <a:latin typeface="HGP創英角ﾎﾟｯﾌﾟ体" panose="040B0A00000000000000" pitchFamily="50" charset="-128"/>
+                <a:ea typeface="HGP創英角ﾎﾟｯﾌﾟ体" panose="040B0A00000000000000" pitchFamily="50" charset="-128"/>
+              </a:rPr>
+              <a:t>・クリア方</a:t>
+            </a:r>
+            <a:endParaRPr kumimoji="1" lang="ja-JP" altLang="en-US" sz="3200" spc="300">
+              <a:latin typeface="HGP創英角ﾎﾟｯﾌﾟ体" panose="040B0A00000000000000" pitchFamily="50" charset="-128"/>
+              <a:ea typeface="HGP創英角ﾎﾟｯﾌﾟ体" panose="040B0A00000000000000" pitchFamily="50" charset="-128"/>
+            </a:endParaRPr>
+          </a:p>
+        </p:txBody>
+      </p:sp>
+      <p:sp>
+        <p:nvSpPr>
+          <p:cNvPr id="5" name="対角する 2 つの角を切り取った四角形 4"/>
+          <p:cNvSpPr/>
+          <p:nvPr/>
+        </p:nvSpPr>
+        <p:spPr>
+          <a:xfrm>
+            <a:off x="980051" y="2038122"/>
+            <a:ext cx="11027229" cy="3518581"/>
+          </a:xfrm>
+          <a:prstGeom prst="snip2DiagRect">
+            <a:avLst/>
+          </a:prstGeom>
+          <a:solidFill>
+            <a:schemeClr val="bg1"/>
+          </a:solidFill>
+        </p:spPr>
+        <p:style>
+          <a:lnRef idx="2">
+            <a:schemeClr val="accent1">
+              <a:shade val="50000"/>
+            </a:schemeClr>
+          </a:lnRef>
+          <a:fillRef idx="1">
+            <a:schemeClr val="accent1"/>
+          </a:fillRef>
+          <a:effectRef idx="0">
+            <a:schemeClr val="accent1"/>
+          </a:effectRef>
+          <a:fontRef idx="minor">
+            <a:schemeClr val="lt1"/>
+          </a:fontRef>
+        </p:style>
+        <p:txBody>
+          <a:bodyPr rtlCol="0" anchor="ctr"/>
+          <a:lstStyle/>
+          <a:p>
+            <a:pPr algn="ctr"/>
+            <a:r>
+              <a:rPr kumimoji="1" lang="ja-JP" altLang="en-US" sz="2400" smtClean="0">
+                <a:solidFill>
+                  <a:sysClr val="windowText" lastClr="000000"/>
+                </a:solidFill>
+              </a:rPr>
+              <a:t>先ほど</a:t>
+            </a:r>
+            <a:r>
+              <a:rPr kumimoji="1" lang="ja-JP" altLang="en-US" sz="2400">
+                <a:solidFill>
+                  <a:sysClr val="windowText" lastClr="000000"/>
+                </a:solidFill>
+              </a:rPr>
+              <a:t>の</a:t>
+            </a:r>
+            <a:r>
+              <a:rPr kumimoji="1" lang="ja-JP" altLang="en-US" sz="2400" smtClean="0">
+                <a:solidFill>
+                  <a:sysClr val="windowText" lastClr="000000"/>
+                </a:solidFill>
+              </a:rPr>
+              <a:t>方法によって、スロットゲーム</a:t>
+            </a:r>
+            <a:r>
+              <a:rPr kumimoji="1" lang="ja-JP" altLang="en-US" sz="2400">
+                <a:solidFill>
+                  <a:sysClr val="windowText" lastClr="000000"/>
+                </a:solidFill>
+              </a:rPr>
+              <a:t>はクリアしたように見えます。</a:t>
+            </a:r>
+            <a:endParaRPr kumimoji="1" lang="en-US" altLang="ja-JP" sz="2400">
+              <a:solidFill>
+                <a:sysClr val="windowText" lastClr="000000"/>
+              </a:solidFill>
+            </a:endParaRPr>
+          </a:p>
+          <a:p>
+            <a:pPr algn="ctr"/>
+            <a:r>
+              <a:rPr lang="ja-JP" altLang="en-US" sz="2400" smtClean="0">
+                <a:solidFill>
+                  <a:sysClr val="windowText" lastClr="000000"/>
+                </a:solidFill>
+              </a:rPr>
+              <a:t>しかし</a:t>
+            </a:r>
+            <a:r>
+              <a:rPr lang="ja-JP" altLang="en-US" sz="2400">
+                <a:solidFill>
+                  <a:sysClr val="windowText" lastClr="000000"/>
+                </a:solidFill>
+              </a:rPr>
+              <a:t>、このゲームを作った人が見れば、ユーザがズルをしていることが一目でわかってしまうクリア画面になっています。</a:t>
+            </a:r>
+            <a:endParaRPr lang="en-US" altLang="ja-JP" sz="2400">
+              <a:solidFill>
+                <a:sysClr val="windowText" lastClr="000000"/>
+              </a:solidFill>
+            </a:endParaRPr>
+          </a:p>
+          <a:p>
+            <a:pPr algn="ctr"/>
+            <a:r>
+              <a:rPr kumimoji="1" lang="ja-JP" altLang="en-US" sz="2400" smtClean="0">
+                <a:solidFill>
+                  <a:sysClr val="windowText" lastClr="000000"/>
+                </a:solidFill>
+              </a:rPr>
+              <a:t>本当</a:t>
+            </a:r>
+            <a:r>
+              <a:rPr kumimoji="1" lang="ja-JP" altLang="en-US" sz="2400">
+                <a:solidFill>
+                  <a:sysClr val="windowText" lastClr="000000"/>
+                </a:solidFill>
+              </a:rPr>
+              <a:t>のクリア画面には「当たり」ではなく、</a:t>
+            </a:r>
+            <a:r>
+              <a:rPr kumimoji="1" lang="ja-JP" altLang="en-US" sz="2400">
+                <a:solidFill>
+                  <a:sysClr val="windowText" lastClr="000000"/>
+                </a:solidFill>
+              </a:rPr>
+              <a:t>別</a:t>
+            </a:r>
+            <a:r>
+              <a:rPr kumimoji="1" lang="ja-JP" altLang="en-US" sz="2400" smtClean="0">
+                <a:solidFill>
+                  <a:sysClr val="windowText" lastClr="000000"/>
+                </a:solidFill>
+              </a:rPr>
+              <a:t>の文字が</a:t>
+            </a:r>
+            <a:r>
+              <a:rPr kumimoji="1" lang="ja-JP" altLang="en-US" sz="2400">
+                <a:solidFill>
+                  <a:sysClr val="windowText" lastClr="000000"/>
+                </a:solidFill>
+              </a:rPr>
+              <a:t>出るそうです。</a:t>
+            </a:r>
+            <a:endParaRPr kumimoji="1" lang="ja-JP" altLang="en-US" sz="2400">
+              <a:solidFill>
+                <a:sysClr val="windowText" lastClr="000000"/>
+              </a:solidFill>
+            </a:endParaRPr>
+          </a:p>
+        </p:txBody>
+      </p:sp>
+    </p:spTree>
+    <p:extLst>
+      <p:ext uri="{BB962C8B-B14F-4D97-AF65-F5344CB8AC3E}">
+        <p14:creationId xmlns:p14="http://schemas.microsoft.com/office/powerpoint/2010/main" val="4124761917"/>
+      </p:ext>
+    </p:extLst>
+  </p:cSld>
+  <p:clrMapOvr>
+    <a:masterClrMapping/>
+  </p:clrMapOvr>
+</p:sld>
+</file>
+
+<file path=ppt/slides/slide2.xml><?xml version="1.0" encoding="utf-8"?>
+<p:sld xmlns:a="http://schemas.openxmlformats.org/drawingml/2006/main" xmlns:r="http://schemas.openxmlformats.org/officeDocument/2006/relationships" xmlns:p="http://schemas.openxmlformats.org/presentationml/2006/main" show="0">
+  <p:cSld>
+    <p:spTree>
+      <p:nvGrpSpPr>
+        <p:cNvPr id="1" name=""/>
+        <p:cNvGrpSpPr/>
+        <p:nvPr/>
+      </p:nvGrpSpPr>
+      <p:grpSpPr>
+        <a:xfrm>
+          <a:off x="0" y="0"/>
+          <a:ext cx="0" cy="0"/>
+          <a:chOff x="0" y="0"/>
+          <a:chExt cx="0" cy="0"/>
+        </a:xfrm>
+      </p:grpSpPr>
+      <p:sp>
+        <p:nvSpPr>
+          <p:cNvPr id="2" name="タイトル 1"/>
+          <p:cNvSpPr>
+            <a:spLocks noGrp="1"/>
+          </p:cNvSpPr>
+          <p:nvPr>
+            <p:ph type="title"/>
+          </p:nvPr>
+        </p:nvSpPr>
+        <p:spPr/>
+        <p:txBody>
+          <a:bodyPr/>
+          <a:lstStyle/>
+          <a:p>
+            <a:endParaRPr kumimoji="1" lang="ja-JP" altLang="en-US" dirty="0"/>
+          </a:p>
+        </p:txBody>
+      </p:sp>
+      <p:sp>
+        <p:nvSpPr>
+          <p:cNvPr id="3" name="コンテンツ プレースホルダー 2"/>
+          <p:cNvSpPr>
+            <a:spLocks noGrp="1"/>
+          </p:cNvSpPr>
+          <p:nvPr>
+            <p:ph idx="1"/>
+          </p:nvPr>
+        </p:nvSpPr>
+        <p:spPr/>
+        <p:txBody>
+          <a:bodyPr/>
+          <a:lstStyle/>
+          <a:p>
+            <a:r>
+              <a:rPr kumimoji="1" lang="ja-JP" altLang="en-US" dirty="0" smtClean="0"/>
+              <a:t>問題に取り組む前に</a:t>
+            </a:r>
+            <a:endParaRPr kumimoji="1" lang="ja-JP" altLang="en-US" dirty="0"/>
+          </a:p>
+        </p:txBody>
+      </p:sp>
+    </p:spTree>
+    <p:extLst>
+      <p:ext uri="{BB962C8B-B14F-4D97-AF65-F5344CB8AC3E}">
+        <p14:creationId xmlns:p14="http://schemas.microsoft.com/office/powerpoint/2010/main" val="2966015995"/>
+      </p:ext>
+    </p:extLst>
+  </p:cSld>
+  <p:clrMapOvr>
+    <a:masterClrMapping/>
+  </p:clrMapOvr>
+  <mc:AlternateContent xmlns:mc="http://schemas.openxmlformats.org/markup-compatibility/2006">
+    <mc:Choice xmlns:p14="http://schemas.microsoft.com/office/powerpoint/2010/main" Requires="p14">
+      <p:transition spd="slow" p14:dur="2000"/>
+    </mc:Choice>
+    <mc:Fallback>
+      <p:transition spd="slow"/>
+    </mc:Fallback>
+  </mc:AlternateContent>
+</p:sld>
+</file>
+
+<file path=ppt/slides/slide20.xml><?xml version="1.0" encoding="utf-8"?>
+<p:sld xmlns:a="http://schemas.openxmlformats.org/drawingml/2006/main" xmlns:r="http://schemas.openxmlformats.org/officeDocument/2006/relationships" xmlns:p="http://schemas.openxmlformats.org/presentationml/2006/main">
+  <p:cSld>
+    <p:spTree>
+      <p:nvGrpSpPr>
+        <p:cNvPr id="1" name=""/>
+        <p:cNvGrpSpPr/>
+        <p:nvPr/>
+      </p:nvGrpSpPr>
+      <p:grpSpPr>
+        <a:xfrm>
+          <a:off x="0" y="0"/>
+          <a:ext cx="0" cy="0"/>
+          <a:chOff x="0" y="0"/>
+          <a:chExt cx="0" cy="0"/>
+        </a:xfrm>
+      </p:grpSpPr>
+      <p:sp>
+        <p:nvSpPr>
+          <p:cNvPr id="4" name="四角形吹き出し 3"/>
+          <p:cNvSpPr/>
+          <p:nvPr/>
+        </p:nvSpPr>
+        <p:spPr>
+          <a:xfrm>
+            <a:off x="252248" y="63063"/>
+            <a:ext cx="4035972" cy="780393"/>
+          </a:xfrm>
+          <a:prstGeom prst="wedgeRectCallout">
+            <a:avLst/>
+          </a:prstGeom>
+          <a:solidFill>
+            <a:srgbClr val="00B0F0"/>
+          </a:solidFill>
+          <a:ln>
+            <a:solidFill>
+              <a:srgbClr val="00B0F0"/>
+            </a:solidFill>
+          </a:ln>
+        </p:spPr>
+        <p:style>
+          <a:lnRef idx="2">
+            <a:schemeClr val="dk1">
+              <a:shade val="50000"/>
+            </a:schemeClr>
+          </a:lnRef>
+          <a:fillRef idx="1">
+            <a:schemeClr val="dk1"/>
+          </a:fillRef>
+          <a:effectRef idx="0">
+            <a:schemeClr val="dk1"/>
+          </a:effectRef>
+          <a:fontRef idx="minor">
+            <a:schemeClr val="lt1"/>
+          </a:fontRef>
+        </p:style>
+        <p:txBody>
+          <a:bodyPr rtlCol="0" anchor="ctr"/>
+          <a:lstStyle/>
+          <a:p>
+            <a:pPr algn="ctr"/>
+            <a:r>
+              <a:rPr kumimoji="1" lang="ja-JP" altLang="en-US" sz="3200" spc="300">
+                <a:latin typeface="HGP創英角ﾎﾟｯﾌﾟ体" panose="040B0A00000000000000" pitchFamily="50" charset="-128"/>
+                <a:ea typeface="HGP創英角ﾎﾟｯﾌﾟ体" panose="040B0A00000000000000" pitchFamily="50" charset="-128"/>
+              </a:rPr>
+              <a:t>シン</a:t>
+            </a:r>
+            <a:r>
+              <a:rPr kumimoji="1" lang="ja-JP" altLang="en-US" sz="3200" spc="300" smtClean="0">
+                <a:latin typeface="HGP創英角ﾎﾟｯﾌﾟ体" panose="040B0A00000000000000" pitchFamily="50" charset="-128"/>
+                <a:ea typeface="HGP創英角ﾎﾟｯﾌﾟ体" panose="040B0A00000000000000" pitchFamily="50" charset="-128"/>
+              </a:rPr>
+              <a:t>・クリア方</a:t>
+            </a:r>
+            <a:endParaRPr kumimoji="1" lang="ja-JP" altLang="en-US" sz="3200" spc="300">
+              <a:latin typeface="HGP創英角ﾎﾟｯﾌﾟ体" panose="040B0A00000000000000" pitchFamily="50" charset="-128"/>
+              <a:ea typeface="HGP創英角ﾎﾟｯﾌﾟ体" panose="040B0A00000000000000" pitchFamily="50" charset="-128"/>
+            </a:endParaRPr>
+          </a:p>
+        </p:txBody>
+      </p:sp>
+      <p:sp>
+        <p:nvSpPr>
+          <p:cNvPr id="5" name="対角する 2 つの角を切り取った四角形 4"/>
+          <p:cNvSpPr/>
+          <p:nvPr/>
+        </p:nvSpPr>
+        <p:spPr>
+          <a:xfrm>
+            <a:off x="980051" y="2038122"/>
+            <a:ext cx="11027229" cy="3518581"/>
+          </a:xfrm>
+          <a:prstGeom prst="snip2DiagRect">
+            <a:avLst/>
+          </a:prstGeom>
+          <a:solidFill>
+            <a:schemeClr val="bg1"/>
+          </a:solidFill>
+        </p:spPr>
+        <p:style>
+          <a:lnRef idx="2">
+            <a:schemeClr val="accent1">
+              <a:shade val="50000"/>
+            </a:schemeClr>
+          </a:lnRef>
+          <a:fillRef idx="1">
+            <a:schemeClr val="accent1"/>
+          </a:fillRef>
+          <a:effectRef idx="0">
+            <a:schemeClr val="accent1"/>
+          </a:effectRef>
+          <a:fontRef idx="minor">
+            <a:schemeClr val="lt1"/>
+          </a:fontRef>
+        </p:style>
+        <p:txBody>
+          <a:bodyPr rtlCol="0" anchor="ctr"/>
+          <a:lstStyle/>
+          <a:p>
+            <a:r>
+              <a:rPr kumimoji="1" lang="ja-JP" altLang="en-US" sz="2400" smtClean="0">
+                <a:solidFill>
+                  <a:sysClr val="windowText" lastClr="000000"/>
+                </a:solidFill>
+              </a:rPr>
+              <a:t>ここまで学習した内容を踏まえて、正しいクリア画面を目指しましょう。</a:t>
+            </a:r>
+            <a:endParaRPr kumimoji="1" lang="ja-JP" altLang="en-US" sz="2400">
+              <a:solidFill>
+                <a:sysClr val="windowText" lastClr="000000"/>
+              </a:solidFill>
+            </a:endParaRPr>
+          </a:p>
+        </p:txBody>
+      </p:sp>
+    </p:spTree>
+    <p:extLst>
+      <p:ext uri="{BB962C8B-B14F-4D97-AF65-F5344CB8AC3E}">
+        <p14:creationId xmlns:p14="http://schemas.microsoft.com/office/powerpoint/2010/main" val="4081456507"/>
+      </p:ext>
+    </p:extLst>
+  </p:cSld>
+  <p:clrMapOvr>
+    <a:masterClrMapping/>
+  </p:clrMapOvr>
+</p:sld>
+</file>
+
+<file path=ppt/slides/slide21.xml><?xml version="1.0" encoding="utf-8"?>
+<p:sld xmlns:a="http://schemas.openxmlformats.org/drawingml/2006/main" xmlns:r="http://schemas.openxmlformats.org/officeDocument/2006/relationships" xmlns:p="http://schemas.openxmlformats.org/presentationml/2006/main">
+  <p:cSld>
+    <p:spTree>
+      <p:nvGrpSpPr>
+        <p:cNvPr id="1" name=""/>
+        <p:cNvGrpSpPr/>
+        <p:nvPr/>
+      </p:nvGrpSpPr>
+      <p:grpSpPr>
+        <a:xfrm>
+          <a:off x="0" y="0"/>
+          <a:ext cx="0" cy="0"/>
+          <a:chOff x="0" y="0"/>
+          <a:chExt cx="0" cy="0"/>
+        </a:xfrm>
+      </p:grpSpPr>
+      <p:sp>
+        <p:nvSpPr>
+          <p:cNvPr id="3" name="コンテンツ プレースホルダー 2"/>
+          <p:cNvSpPr>
+            <a:spLocks noGrp="1"/>
+          </p:cNvSpPr>
+          <p:nvPr>
+            <p:ph idx="1"/>
+          </p:nvPr>
+        </p:nvSpPr>
+        <p:spPr/>
+        <p:txBody>
+          <a:bodyPr/>
+          <a:lstStyle/>
+          <a:p>
+            <a:endParaRPr kumimoji="1" lang="ja-JP" altLang="en-US"/>
+          </a:p>
+        </p:txBody>
+      </p:sp>
+      <p:sp>
+        <p:nvSpPr>
+          <p:cNvPr id="4" name="四角形吹き出し 3"/>
+          <p:cNvSpPr/>
+          <p:nvPr/>
+        </p:nvSpPr>
+        <p:spPr>
+          <a:xfrm>
+            <a:off x="252248" y="70946"/>
+            <a:ext cx="4035972" cy="780393"/>
+          </a:xfrm>
+          <a:prstGeom prst="wedgeRectCallout">
+            <a:avLst/>
+          </a:prstGeom>
+          <a:solidFill>
+            <a:srgbClr val="00B0F0"/>
+          </a:solidFill>
+          <a:ln>
+            <a:solidFill>
+              <a:srgbClr val="00B0F0"/>
+            </a:solidFill>
+          </a:ln>
+        </p:spPr>
+        <p:style>
+          <a:lnRef idx="2">
+            <a:schemeClr val="dk1">
+              <a:shade val="50000"/>
+            </a:schemeClr>
+          </a:lnRef>
+          <a:fillRef idx="1">
+            <a:schemeClr val="dk1"/>
+          </a:fillRef>
+          <a:effectRef idx="0">
+            <a:schemeClr val="dk1"/>
+          </a:effectRef>
+          <a:fontRef idx="minor">
+            <a:schemeClr val="lt1"/>
+          </a:fontRef>
+        </p:style>
+        <p:txBody>
+          <a:bodyPr rtlCol="0" anchor="ctr"/>
+          <a:lstStyle/>
+          <a:p>
+            <a:pPr algn="ctr"/>
+            <a:r>
+              <a:rPr kumimoji="1" lang="ja-JP" altLang="en-US" sz="3200" spc="300">
+                <a:latin typeface="HGP創英角ﾎﾟｯﾌﾟ体" panose="040B0A00000000000000" pitchFamily="50" charset="-128"/>
+                <a:ea typeface="HGP創英角ﾎﾟｯﾌﾟ体" panose="040B0A00000000000000" pitchFamily="50" charset="-128"/>
+              </a:rPr>
+              <a:t>シン</a:t>
+            </a:r>
+            <a:r>
+              <a:rPr kumimoji="1" lang="ja-JP" altLang="en-US" sz="3200" spc="300" smtClean="0">
+                <a:latin typeface="HGP創英角ﾎﾟｯﾌﾟ体" panose="040B0A00000000000000" pitchFamily="50" charset="-128"/>
+                <a:ea typeface="HGP創英角ﾎﾟｯﾌﾟ体" panose="040B0A00000000000000" pitchFamily="50" charset="-128"/>
+              </a:rPr>
+              <a:t>・クリア方</a:t>
+            </a:r>
+            <a:endParaRPr kumimoji="1" lang="ja-JP" altLang="en-US" sz="3200" spc="300">
+              <a:latin typeface="HGP創英角ﾎﾟｯﾌﾟ体" panose="040B0A00000000000000" pitchFamily="50" charset="-128"/>
+              <a:ea typeface="HGP創英角ﾎﾟｯﾌﾟ体" panose="040B0A00000000000000" pitchFamily="50" charset="-128"/>
+            </a:endParaRPr>
+          </a:p>
+        </p:txBody>
+      </p:sp>
+      <p:sp>
+        <p:nvSpPr>
+          <p:cNvPr id="5" name="対角する 2 つの角を切り取った四角形 4"/>
+          <p:cNvSpPr/>
+          <p:nvPr/>
+        </p:nvSpPr>
+        <p:spPr>
+          <a:xfrm>
+            <a:off x="980051" y="2038122"/>
+            <a:ext cx="11027229" cy="3518581"/>
+          </a:xfrm>
+          <a:prstGeom prst="snip2DiagRect">
+            <a:avLst/>
+          </a:prstGeom>
+          <a:solidFill>
+            <a:schemeClr val="bg1"/>
+          </a:solidFill>
+        </p:spPr>
+        <p:style>
+          <a:lnRef idx="2">
+            <a:schemeClr val="accent1">
+              <a:shade val="50000"/>
+            </a:schemeClr>
+          </a:lnRef>
+          <a:fillRef idx="1">
+            <a:schemeClr val="accent1"/>
+          </a:fillRef>
+          <a:effectRef idx="0">
+            <a:schemeClr val="accent1"/>
+          </a:effectRef>
+          <a:fontRef idx="minor">
+            <a:schemeClr val="lt1"/>
+          </a:fontRef>
+        </p:style>
+        <p:txBody>
+          <a:bodyPr rtlCol="0" anchor="ctr"/>
+          <a:lstStyle/>
+          <a:p>
+            <a:r>
+              <a:rPr kumimoji="1" lang="ja-JP" altLang="en-US" sz="2400" b="1" smtClean="0">
+                <a:solidFill>
+                  <a:sysClr val="windowText" lastClr="000000"/>
+                </a:solidFill>
+              </a:rPr>
+              <a:t>ヒント</a:t>
+            </a:r>
+            <a:endParaRPr kumimoji="1" lang="en-US" altLang="ja-JP" sz="2400" b="1" smtClean="0">
+              <a:solidFill>
+                <a:sysClr val="windowText" lastClr="000000"/>
+              </a:solidFill>
+            </a:endParaRPr>
+          </a:p>
+          <a:p>
+            <a:pPr algn="ctr"/>
+            <a:r>
+              <a:rPr kumimoji="1" lang="ja-JP" altLang="en-US" sz="2400" smtClean="0">
+                <a:solidFill>
+                  <a:sysClr val="windowText" lastClr="000000"/>
+                </a:solidFill>
+              </a:rPr>
+              <a:t>「はずれ・・</a:t>
+            </a:r>
+            <a:r>
+              <a:rPr kumimoji="1" lang="ja-JP" altLang="en-US" sz="2400">
+                <a:solidFill>
+                  <a:sysClr val="windowText" lastClr="000000"/>
+                </a:solidFill>
+              </a:rPr>
+              <a:t>・</a:t>
+            </a:r>
+            <a:r>
+              <a:rPr kumimoji="1" lang="ja-JP" altLang="en-US" sz="2400" smtClean="0">
+                <a:solidFill>
+                  <a:sysClr val="windowText" lastClr="000000"/>
+                </a:solidFill>
+              </a:rPr>
+              <a:t>」と「当たり」は、両方とも画像でした。</a:t>
+            </a:r>
+            <a:endParaRPr kumimoji="1" lang="en-US" altLang="ja-JP" sz="2400" smtClean="0">
+              <a:solidFill>
+                <a:sysClr val="windowText" lastClr="000000"/>
+              </a:solidFill>
+            </a:endParaRPr>
+          </a:p>
+          <a:p>
+            <a:pPr algn="ctr"/>
+            <a:r>
+              <a:rPr kumimoji="1" lang="ja-JP" altLang="en-US" sz="2400">
+                <a:solidFill>
+                  <a:sysClr val="windowText" lastClr="000000"/>
+                </a:solidFill>
+              </a:rPr>
+              <a:t>画像</a:t>
+            </a:r>
+            <a:r>
+              <a:rPr kumimoji="1" lang="ja-JP" altLang="en-US" sz="2400" smtClean="0">
+                <a:solidFill>
+                  <a:sysClr val="windowText" lastClr="000000"/>
+                </a:solidFill>
+              </a:rPr>
+              <a:t>は、まとめて１つのファイルで管理されているそうです。</a:t>
+            </a:r>
+            <a:endParaRPr kumimoji="1" lang="en-US" altLang="ja-JP" sz="2400" smtClean="0">
+              <a:solidFill>
+                <a:sysClr val="windowText" lastClr="000000"/>
+              </a:solidFill>
+            </a:endParaRPr>
+          </a:p>
+          <a:p>
+            <a:pPr algn="ctr"/>
+            <a:r>
+              <a:rPr kumimoji="1" lang="ja-JP" altLang="en-US" sz="2400" smtClean="0">
+                <a:solidFill>
+                  <a:sysClr val="windowText" lastClr="000000"/>
+                </a:solidFill>
+              </a:rPr>
+              <a:t>数字を変えた時と見比べてみるのも良いかもしれません。</a:t>
+            </a:r>
+            <a:endParaRPr kumimoji="1" lang="ja-JP" altLang="en-US" sz="2400">
+              <a:solidFill>
+                <a:sysClr val="windowText" lastClr="000000"/>
+              </a:solidFill>
+            </a:endParaRPr>
+          </a:p>
+        </p:txBody>
+      </p:sp>
+    </p:spTree>
+    <p:extLst>
+      <p:ext uri="{BB962C8B-B14F-4D97-AF65-F5344CB8AC3E}">
+        <p14:creationId xmlns:p14="http://schemas.microsoft.com/office/powerpoint/2010/main" val="2989529323"/>
+      </p:ext>
+    </p:extLst>
+  </p:cSld>
+  <p:clrMapOvr>
+    <a:masterClrMapping/>
+  </p:clrMapOvr>
+</p:sld>
+</file>
+
+<file path=ppt/slides/slide22.xml><?xml version="1.0" encoding="utf-8"?>
+<p:sld xmlns:a="http://schemas.openxmlformats.org/drawingml/2006/main" xmlns:r="http://schemas.openxmlformats.org/officeDocument/2006/relationships" xmlns:p="http://schemas.openxmlformats.org/presentationml/2006/main">
+  <p:cSld>
+    <p:spTree>
+      <p:nvGrpSpPr>
+        <p:cNvPr id="1" name=""/>
+        <p:cNvGrpSpPr/>
+        <p:nvPr/>
+      </p:nvGrpSpPr>
+      <p:grpSpPr>
+        <a:xfrm>
+          <a:off x="0" y="0"/>
+          <a:ext cx="0" cy="0"/>
+          <a:chOff x="0" y="0"/>
+          <a:chExt cx="0" cy="0"/>
+        </a:xfrm>
+      </p:grpSpPr>
+      <p:pic>
+        <p:nvPicPr>
+          <p:cNvPr id="6" name="コンテンツ プレースホルダー 5"/>
+          <p:cNvPicPr>
+            <a:picLocks noGrp="1" noChangeAspect="1"/>
+          </p:cNvPicPr>
+          <p:nvPr>
+            <p:ph idx="1"/>
+          </p:nvPr>
+        </p:nvPicPr>
+        <p:blipFill>
+          <a:blip r:embed="rId2">
+            <a:extLst>
+              <a:ext uri="{28A0092B-C50C-407E-A947-70E740481C1C}">
+                <a14:useLocalDpi xmlns:a14="http://schemas.microsoft.com/office/drawing/2010/main" val="0"/>
+              </a:ext>
+            </a:extLst>
+          </a:blip>
+          <a:stretch>
+            <a:fillRect/>
+          </a:stretch>
+        </p:blipFill>
+        <p:spPr>
+          <a:xfrm>
+            <a:off x="1998000" y="1008000"/>
+            <a:ext cx="8828603" cy="4402800"/>
+          </a:xfrm>
+        </p:spPr>
+      </p:pic>
+      <p:sp>
+        <p:nvSpPr>
+          <p:cNvPr id="7" name="四角形吹き出し 6"/>
+          <p:cNvSpPr/>
+          <p:nvPr/>
+        </p:nvSpPr>
+        <p:spPr>
+          <a:xfrm>
+            <a:off x="252248" y="63063"/>
+            <a:ext cx="4035972" cy="780393"/>
+          </a:xfrm>
+          <a:prstGeom prst="wedgeRectCallout">
+            <a:avLst/>
+          </a:prstGeom>
+          <a:solidFill>
+            <a:srgbClr val="00B0F0"/>
+          </a:solidFill>
+          <a:ln>
+            <a:solidFill>
+              <a:srgbClr val="00B0F0"/>
+            </a:solidFill>
+          </a:ln>
+        </p:spPr>
+        <p:style>
+          <a:lnRef idx="2">
+            <a:schemeClr val="dk1">
+              <a:shade val="50000"/>
+            </a:schemeClr>
+          </a:lnRef>
+          <a:fillRef idx="1">
+            <a:schemeClr val="dk1"/>
+          </a:fillRef>
+          <a:effectRef idx="0">
+            <a:schemeClr val="dk1"/>
+          </a:effectRef>
+          <a:fontRef idx="minor">
+            <a:schemeClr val="lt1"/>
+          </a:fontRef>
+        </p:style>
+        <p:txBody>
+          <a:bodyPr rtlCol="0" anchor="ctr"/>
+          <a:lstStyle/>
+          <a:p>
+            <a:pPr algn="ctr"/>
+            <a:r>
+              <a:rPr kumimoji="1" lang="ja-JP" altLang="en-US" sz="3200" spc="300">
+                <a:latin typeface="HGP創英角ﾎﾟｯﾌﾟ体" panose="040B0A00000000000000" pitchFamily="50" charset="-128"/>
+                <a:ea typeface="HGP創英角ﾎﾟｯﾌﾟ体" panose="040B0A00000000000000" pitchFamily="50" charset="-128"/>
+              </a:rPr>
+              <a:t>シン</a:t>
+            </a:r>
+            <a:r>
+              <a:rPr kumimoji="1" lang="ja-JP" altLang="en-US" sz="3200" spc="300" smtClean="0">
+                <a:latin typeface="HGP創英角ﾎﾟｯﾌﾟ体" panose="040B0A00000000000000" pitchFamily="50" charset="-128"/>
+                <a:ea typeface="HGP創英角ﾎﾟｯﾌﾟ体" panose="040B0A00000000000000" pitchFamily="50" charset="-128"/>
+              </a:rPr>
+              <a:t>・クリア方</a:t>
+            </a:r>
+            <a:endParaRPr kumimoji="1" lang="ja-JP" altLang="en-US" sz="3200" spc="300">
+              <a:latin typeface="HGP創英角ﾎﾟｯﾌﾟ体" panose="040B0A00000000000000" pitchFamily="50" charset="-128"/>
+              <a:ea typeface="HGP創英角ﾎﾟｯﾌﾟ体" panose="040B0A00000000000000" pitchFamily="50" charset="-128"/>
+            </a:endParaRPr>
+          </a:p>
+        </p:txBody>
+      </p:sp>
+      <p:sp>
+        <p:nvSpPr>
+          <p:cNvPr id="8" name="対角する 2 つの角を切り取った四角形 7"/>
+          <p:cNvSpPr/>
+          <p:nvPr/>
+        </p:nvSpPr>
+        <p:spPr>
+          <a:xfrm>
+            <a:off x="995816" y="4409016"/>
+            <a:ext cx="11027229" cy="2332655"/>
+          </a:xfrm>
+          <a:prstGeom prst="snip2DiagRect">
+            <a:avLst/>
+          </a:prstGeom>
+          <a:solidFill>
+            <a:schemeClr val="bg1"/>
+          </a:solidFill>
+        </p:spPr>
+        <p:style>
+          <a:lnRef idx="2">
+            <a:schemeClr val="accent1">
+              <a:shade val="50000"/>
+            </a:schemeClr>
+          </a:lnRef>
+          <a:fillRef idx="1">
+            <a:schemeClr val="accent1"/>
+          </a:fillRef>
+          <a:effectRef idx="0">
+            <a:schemeClr val="accent1"/>
+          </a:effectRef>
+          <a:fontRef idx="minor">
+            <a:schemeClr val="lt1"/>
+          </a:fontRef>
+        </p:style>
+        <p:txBody>
+          <a:bodyPr rtlCol="0" anchor="ctr"/>
+          <a:lstStyle/>
+          <a:p>
+            <a:pPr algn="ctr"/>
+            <a:r>
+              <a:rPr kumimoji="1" lang="en-US" altLang="ja-JP" sz="5400" b="1" i="1" smtClean="0">
+                <a:solidFill>
+                  <a:sysClr val="windowText" lastClr="000000"/>
+                </a:solidFill>
+              </a:rPr>
+              <a:t>CONGRATULATION!!</a:t>
+            </a:r>
+            <a:endParaRPr kumimoji="1" lang="ja-JP" altLang="en-US" sz="5400" b="1" i="1">
+              <a:solidFill>
+                <a:sysClr val="windowText" lastClr="000000"/>
+              </a:solidFill>
+            </a:endParaRPr>
+          </a:p>
+        </p:txBody>
+      </p:sp>
+    </p:spTree>
+    <p:extLst>
+      <p:ext uri="{BB962C8B-B14F-4D97-AF65-F5344CB8AC3E}">
+        <p14:creationId xmlns:p14="http://schemas.microsoft.com/office/powerpoint/2010/main" val="2096717648"/>
+      </p:ext>
+    </p:extLst>
+  </p:cSld>
+  <p:clrMapOvr>
+    <a:masterClrMapping/>
+  </p:clrMapOvr>
+</p:sld>
+</file>
+
+<file path=ppt/slides/slide23.xml><?xml version="1.0" encoding="utf-8"?>
+<p:sld xmlns:a="http://schemas.openxmlformats.org/drawingml/2006/main" xmlns:r="http://schemas.openxmlformats.org/officeDocument/2006/relationships" xmlns:p="http://schemas.openxmlformats.org/presentationml/2006/main">
+  <p:cSld>
+    <p:spTree>
+      <p:nvGrpSpPr>
+        <p:cNvPr id="1" name=""/>
+        <p:cNvGrpSpPr/>
+        <p:nvPr/>
+      </p:nvGrpSpPr>
+      <p:grpSpPr>
+        <a:xfrm>
+          <a:off x="0" y="0"/>
+          <a:ext cx="0" cy="0"/>
+          <a:chOff x="0" y="0"/>
+          <a:chExt cx="0" cy="0"/>
+        </a:xfrm>
+      </p:grpSpPr>
+      <p:sp>
+        <p:nvSpPr>
+          <p:cNvPr id="3" name="コンテンツ プレースホルダー 2"/>
+          <p:cNvSpPr>
+            <a:spLocks noGrp="1"/>
+          </p:cNvSpPr>
+          <p:nvPr>
+            <p:ph idx="1"/>
+          </p:nvPr>
+        </p:nvSpPr>
+        <p:spPr/>
+        <p:txBody>
+          <a:bodyPr>
+            <a:normAutofit/>
+          </a:bodyPr>
+          <a:lstStyle/>
+          <a:p>
+            <a:pPr marL="0" indent="0" algn="ctr">
+              <a:buNone/>
+            </a:pPr>
+            <a:r>
+              <a:rPr kumimoji="1" lang="ja-JP" altLang="en-US" sz="4000" smtClean="0"/>
+              <a:t>以上で、スロットゲームはクリアです！</a:t>
+            </a:r>
+            <a:endParaRPr kumimoji="1" lang="ja-JP" altLang="en-US" sz="4000"/>
+          </a:p>
+        </p:txBody>
+      </p:sp>
+    </p:spTree>
+    <p:extLst>
+      <p:ext uri="{BB962C8B-B14F-4D97-AF65-F5344CB8AC3E}">
+        <p14:creationId xmlns:p14="http://schemas.microsoft.com/office/powerpoint/2010/main" val="3476270045"/>
+      </p:ext>
+    </p:extLst>
+  </p:cSld>
+  <p:clrMapOvr>
+    <a:masterClrMapping/>
+  </p:clrMapOvr>
+</p:sld>
+</file>
+
+<file path=ppt/slides/slide3.xml><?xml version="1.0" encoding="utf-8"?>
+<p:sld xmlns:a="http://schemas.openxmlformats.org/drawingml/2006/main" xmlns:r="http://schemas.openxmlformats.org/officeDocument/2006/relationships" xmlns:p="http://schemas.openxmlformats.org/presentationml/2006/main">
+  <p:cSld>
+    <p:spTree>
+      <p:nvGrpSpPr>
+        <p:cNvPr id="1" name=""/>
+        <p:cNvGrpSpPr/>
+        <p:nvPr/>
+      </p:nvGrpSpPr>
+      <p:grpSpPr>
+        <a:xfrm>
+          <a:off x="0" y="0"/>
+          <a:ext cx="0" cy="0"/>
+          <a:chOff x="0" y="0"/>
+          <a:chExt cx="0" cy="0"/>
+        </a:xfrm>
+      </p:grpSpPr>
+      <p:sp>
+        <p:nvSpPr>
+          <p:cNvPr id="2" name="タイトル 1"/>
+          <p:cNvSpPr>
+            <a:spLocks noGrp="1"/>
+          </p:cNvSpPr>
+          <p:nvPr>
+            <p:ph type="title"/>
+          </p:nvPr>
+        </p:nvSpPr>
+        <p:spPr>
+          <a:xfrm>
+            <a:off x="1484310" y="1160735"/>
+            <a:ext cx="7304204" cy="800101"/>
+          </a:xfrm>
+        </p:spPr>
+        <p:txBody>
+          <a:bodyPr/>
+          <a:lstStyle/>
+          <a:p>
+            <a:r>
+              <a:rPr kumimoji="1" lang="ja-JP" altLang="en-US" dirty="0" smtClean="0"/>
+              <a:t>階層について</a:t>
+            </a:r>
+            <a:endParaRPr kumimoji="1" lang="ja-JP" altLang="en-US" dirty="0"/>
+          </a:p>
+        </p:txBody>
+      </p:sp>
+      <p:sp>
+        <p:nvSpPr>
+          <p:cNvPr id="4" name="四角形吹き出し 3"/>
+          <p:cNvSpPr/>
+          <p:nvPr/>
+        </p:nvSpPr>
+        <p:spPr>
+          <a:xfrm>
+            <a:off x="252248" y="63063"/>
+            <a:ext cx="4035972" cy="780393"/>
+          </a:xfrm>
+          <a:prstGeom prst="wedgeRectCallout">
+            <a:avLst/>
+          </a:prstGeom>
+          <a:solidFill>
+            <a:srgbClr val="00B0F0"/>
+          </a:solidFill>
+          <a:ln>
+            <a:solidFill>
+              <a:srgbClr val="00B0F0"/>
+            </a:solidFill>
+          </a:ln>
+        </p:spPr>
+        <p:style>
+          <a:lnRef idx="2">
+            <a:schemeClr val="dk1">
+              <a:shade val="50000"/>
+            </a:schemeClr>
+          </a:lnRef>
+          <a:fillRef idx="1">
+            <a:schemeClr val="dk1"/>
+          </a:fillRef>
+          <a:effectRef idx="0">
+            <a:schemeClr val="dk1"/>
+          </a:effectRef>
+          <a:fontRef idx="minor">
+            <a:schemeClr val="lt1"/>
+          </a:fontRef>
+        </p:style>
+        <p:txBody>
+          <a:bodyPr rtlCol="0" anchor="ctr"/>
+          <a:lstStyle/>
+          <a:p>
+            <a:pPr algn="ctr"/>
+            <a:r>
               <a:rPr kumimoji="1" lang="ja-JP" altLang="en-US" sz="3200" spc="300" dirty="0" smtClean="0">
                 <a:latin typeface="HGP創英角ﾎﾟｯﾌﾟ体" panose="040B0A00000000000000" pitchFamily="50" charset="-128"/>
                 <a:ea typeface="HGP創英角ﾎﾟｯﾌﾟ体" panose="040B0A00000000000000" pitchFamily="50" charset="-128"/>
@@ -9317,18 +10270,46 @@
               <a:buNone/>
             </a:pPr>
             <a:r>
-              <a:rPr kumimoji="1" lang="ja-JP" altLang="en-US" dirty="0" smtClean="0"/>
-              <a:t>この流れをパスと言い、パスを</a:t>
-            </a:r>
-            <a:r>
-              <a:rPr lang="ja-JP" altLang="en-US" dirty="0"/>
-              <a:t>追</a:t>
-            </a:r>
-            <a:r>
-              <a:rPr lang="ja-JP" altLang="en-US" dirty="0" smtClean="0"/>
-              <a:t>うことでホルダを見ることが出来ます。</a:t>
-            </a:r>
-            <a:endParaRPr kumimoji="1" lang="en-US" altLang="ja-JP" dirty="0" smtClean="0"/>
+              <a:rPr kumimoji="1" lang="ja-JP" altLang="en-US" smtClean="0"/>
+              <a:t>「</a:t>
+            </a:r>
+            <a:r>
+              <a:rPr kumimoji="1" lang="en-US" altLang="ja-JP" smtClean="0"/>
+              <a:t>./</a:t>
+            </a:r>
+            <a:r>
+              <a:rPr kumimoji="1" lang="ja-JP" altLang="en-US" smtClean="0"/>
+              <a:t>ホルダ</a:t>
+            </a:r>
+            <a:r>
+              <a:rPr kumimoji="1" lang="en-US" altLang="ja-JP" smtClean="0"/>
+              <a:t>A/</a:t>
+            </a:r>
+            <a:r>
+              <a:rPr kumimoji="1" lang="ja-JP" altLang="en-US" smtClean="0"/>
+              <a:t>ホルダ</a:t>
+            </a:r>
+            <a:r>
+              <a:rPr kumimoji="1" lang="en-US" altLang="ja-JP" smtClean="0"/>
+              <a:t>B</a:t>
+            </a:r>
+            <a:r>
+              <a:rPr lang="ja-JP" altLang="en-US"/>
+              <a:t>」</a:t>
+            </a:r>
+            <a:r>
+              <a:rPr kumimoji="1" lang="ja-JP" altLang="en-US" smtClean="0"/>
+              <a:t>と、記述することでホルダ</a:t>
+            </a:r>
+            <a:r>
+              <a:rPr kumimoji="1" lang="en-US" altLang="ja-JP" smtClean="0"/>
+              <a:t>B</a:t>
+            </a:r>
+            <a:r>
+              <a:rPr kumimoji="1" lang="ja-JP" altLang="en-US" smtClean="0"/>
+              <a:t>を参照できます。</a:t>
+            </a:r>
+            <a:endParaRPr kumimoji="1" lang="en-US" altLang="ja-JP" smtClean="0"/>
           </a:p>
         </p:txBody>
       </p:sp>
@@ -9425,12 +10406,12 @@
               <a:t>アプリなら</a:t>
             </a:r>
             <a:r>
-              <a:rPr kumimoji="1" lang="en-US" altLang="ja-JP" dirty="0" smtClean="0"/>
+              <a:rPr kumimoji="1" lang="en-US" altLang="ja-JP" smtClean="0"/>
               <a:t>.exe</a:t>
             </a:r>
             <a:r>
-              <a:rPr kumimoji="1" lang="ja-JP" altLang="en-US" dirty="0" err="1" smtClean="0"/>
-              <a:t>、</a:t>
+              <a:rPr lang="ja-JP" altLang="en-US" dirty="0" err="1"/>
+              <a:t>や</a:t>
             </a:r>
             <a:r>
               <a:rPr kumimoji="1" lang="en-US" altLang="ja-JP" smtClean="0"/>
@@ -11055,7 +12036,7 @@
 </file>
 
 <file path=ppt/slides/slide7.xml><?xml version="1.0" encoding="utf-8"?>
-<p:sld xmlns:a="http://schemas.openxmlformats.org/drawingml/2006/main" xmlns:r="http://schemas.openxmlformats.org/officeDocument/2006/relationships" xmlns:p="http://schemas.openxmlformats.org/presentationml/2006/main">
+<p:sld xmlns:a="http://schemas.openxmlformats.org/drawingml/2006/main" xmlns:r="http://schemas.openxmlformats.org/officeDocument/2006/relationships" xmlns:p="http://schemas.openxmlformats.org/presentationml/2006/main" show="0">
   <p:cSld>
     <p:spTree>
       <p:nvGrpSpPr>
@@ -11123,6 +12104,14 @@
   <p:clrMapOvr>
     <a:masterClrMapping/>
   </p:clrMapOvr>
+  <mc:AlternateContent xmlns:mc="http://schemas.openxmlformats.org/markup-compatibility/2006">
+    <mc:Choice xmlns:p14="http://schemas.microsoft.com/office/powerpoint/2010/main" Requires="p14">
+      <p:transition spd="slow" p14:dur="2000"/>
+    </mc:Choice>
+    <mc:Fallback>
+      <p:transition spd="slow"/>
+    </mc:Fallback>
+  </mc:AlternateContent>
 </p:sld>
 </file>
 
